--- a/Docs/Presentation.pptx
+++ b/Docs/Presentation.pptx
@@ -4862,6 +4862,13 @@
   <p:transition spd="slow">
     <p:cut/>
   </p:transition>
+  <p:timing>
+    <p:tnLst>
+      <p:par>
+        <p:cTn id="1" dur="indefinite" restart="never" nodeType="tmRoot"/>
+      </p:par>
+    </p:tnLst>
+  </p:timing>
 </p:sld>
 </file>
 
@@ -4994,6 +5001,13 @@
   <p:transition spd="slow">
     <p:cut/>
   </p:transition>
+  <p:timing>
+    <p:tnLst>
+      <p:par>
+        <p:cTn id="1" dur="indefinite" restart="never" nodeType="tmRoot"/>
+      </p:par>
+    </p:tnLst>
+  </p:timing>
 </p:sld>
 </file>
 
@@ -5243,6 +5257,13 @@
   <p:transition spd="slow">
     <p:cut/>
   </p:transition>
+  <p:timing>
+    <p:tnLst>
+      <p:par>
+        <p:cTn id="1" dur="indefinite" restart="never" nodeType="tmRoot"/>
+      </p:par>
+    </p:tnLst>
+  </p:timing>
 </p:sld>
 </file>
 
@@ -5351,6 +5372,13 @@
   <p:transition spd="slow">
     <p:cut/>
   </p:transition>
+  <p:timing>
+    <p:tnLst>
+      <p:par>
+        <p:cTn id="1" dur="indefinite" restart="never" nodeType="tmRoot"/>
+      </p:par>
+    </p:tnLst>
+  </p:timing>
 </p:sld>
 </file>
 
@@ -5795,6 +5823,13 @@
   <p:transition spd="slow">
     <p:cut/>
   </p:transition>
+  <p:timing>
+    <p:tnLst>
+      <p:par>
+        <p:cTn id="1" dur="indefinite" restart="never" nodeType="tmRoot"/>
+      </p:par>
+    </p:tnLst>
+  </p:timing>
 </p:sld>
 </file>
 
@@ -6020,6 +6055,13 @@
   <p:transition spd="slow">
     <p:cut/>
   </p:transition>
+  <p:timing>
+    <p:tnLst>
+      <p:par>
+        <p:cTn id="1" dur="indefinite" restart="never" nodeType="tmRoot"/>
+      </p:par>
+    </p:tnLst>
+  </p:timing>
 </p:sld>
 </file>
 
@@ -6182,15 +6224,7 @@
                   <a:srgbClr val="FFFFFF"/>
                 </a:solidFill>
               </a:rPr>
-              <a:t>Резултатът: разпределение на класовете със списъ</a:t>
-            </a:r>
-            <a:r>
-              <a:rPr lang="bg-BG" i="1" dirty="0" smtClean="0">
-                <a:solidFill>
-                  <a:srgbClr val="FFFFFF"/>
-                </a:solidFill>
-              </a:rPr>
-              <a:t>к от правила за всеки от тях</a:t>
+              <a:t>Резултатът: разпределение на класовете със списък от правила за всеки от тях</a:t>
             </a:r>
             <a:endParaRPr i="1" dirty="0">
               <a:solidFill>
@@ -6213,6 +6247,13 @@
   <p:transition spd="slow">
     <p:cut/>
   </p:transition>
+  <p:timing>
+    <p:tnLst>
+      <p:par>
+        <p:cTn id="1" dur="indefinite" restart="never" nodeType="tmRoot"/>
+      </p:par>
+    </p:tnLst>
+  </p:timing>
 </p:sld>
 </file>
 
@@ -6345,6 +6386,13 @@
   <p:transition spd="slow">
     <p:cut/>
   </p:transition>
+  <p:timing>
+    <p:tnLst>
+      <p:par>
+        <p:cTn id="1" dur="indefinite" restart="never" nodeType="tmRoot"/>
+      </p:par>
+    </p:tnLst>
+  </p:timing>
 </p:sld>
 </file>
 
@@ -6377,7 +6425,7 @@
         </p:nvSpPr>
         <p:spPr>
           <a:xfrm>
-            <a:off x="755576" y="555526"/>
+            <a:off x="755576" y="267494"/>
             <a:ext cx="7619700" cy="997799"/>
           </a:xfrm>
           <a:prstGeom prst="rect">
@@ -6397,13 +6445,54 @@
               <a:buNone/>
             </a:pPr>
             <a:r>
-              <a:rPr lang="bg-BG" smtClean="0"/>
+              <a:rPr lang="bg-BG" dirty="0" smtClean="0"/>
               <a:t>Демонстрация</a:t>
             </a:r>
             <a:endParaRPr lang="en" dirty="0"/>
           </a:p>
         </p:txBody>
       </p:sp>
+      <p:pic>
+        <p:nvPicPr>
+          <p:cNvPr id="1026" name="Picture 2" descr="C:\Users\valentin\Desktop\5423459-poker-hand-royal-flush-win-close-up-of-card.jpg"/>
+          <p:cNvPicPr>
+            <a:picLocks noChangeAspect="1" noChangeArrowheads="1"/>
+          </p:cNvPicPr>
+          <p:nvPr/>
+        </p:nvPicPr>
+        <p:blipFill>
+          <a:blip r:embed="rId3">
+            <a:extLst>
+              <a:ext uri="{28A0092B-C50C-407E-A947-70E740481C1C}">
+                <a14:useLocalDpi xmlns:a14="http://schemas.microsoft.com/office/drawing/2010/main" val="0"/>
+              </a:ext>
+            </a:extLst>
+          </a:blip>
+          <a:srcRect/>
+          <a:stretch>
+            <a:fillRect/>
+          </a:stretch>
+        </p:blipFill>
+        <p:spPr bwMode="auto">
+          <a:xfrm>
+            <a:off x="1979712" y="1347614"/>
+            <a:ext cx="4968552" cy="3316509"/>
+          </a:xfrm>
+          <a:prstGeom prst="rect">
+            <a:avLst/>
+          </a:prstGeom>
+          <a:noFill/>
+          <a:extLst>
+            <a:ext uri="{909E8E84-426E-40DD-AFC4-6F175D3DCCD1}">
+              <a14:hiddenFill xmlns:a14="http://schemas.microsoft.com/office/drawing/2010/main">
+                <a:solidFill>
+                  <a:srgbClr val="FFFFFF"/>
+                </a:solidFill>
+              </a14:hiddenFill>
+            </a:ext>
+          </a:extLst>
+        </p:spPr>
+      </p:pic>
     </p:spTree>
   </p:cSld>
   <p:clrMapOvr>
@@ -6412,6 +6501,13 @@
   <p:transition spd="slow">
     <p:cut/>
   </p:transition>
+  <p:timing>
+    <p:tnLst>
+      <p:par>
+        <p:cTn id="1" dur="indefinite" restart="never" nodeType="tmRoot"/>
+      </p:par>
+    </p:tnLst>
+  </p:timing>
 </p:sld>
 </file>
 
@@ -6483,6 +6579,13 @@
   <p:transition spd="slow">
     <p:cut/>
   </p:transition>
+  <p:timing>
+    <p:tnLst>
+      <p:par>
+        <p:cTn id="1" dur="indefinite" restart="never" nodeType="tmRoot"/>
+      </p:par>
+    </p:tnLst>
+  </p:timing>
 </p:sld>
 </file>
 

--- a/Docs/Presentation.pptx
+++ b/Docs/Presentation.pptx
@@ -6021,7 +6021,52 @@
                   <a:srgbClr val="FFFFFF"/>
                 </a:solidFill>
               </a:rPr>
-              <a:t>По какво всеки един клас се различава от останалите?</a:t>
+              <a:t>По какво всеки един клас се различава от останалите</a:t>
+            </a:r>
+            <a:r>
+              <a:rPr lang="bg-BG" i="1" dirty="0" smtClean="0">
+                <a:solidFill>
+                  <a:srgbClr val="FFFFFF"/>
+                </a:solidFill>
+              </a:rPr>
+              <a:t>?</a:t>
+            </a:r>
+            <a:endParaRPr lang="en-US" i="1" dirty="0" smtClean="0">
+              <a:solidFill>
+                <a:srgbClr val="FFFFFF"/>
+              </a:solidFill>
+            </a:endParaRPr>
+          </a:p>
+          <a:p>
+            <a:pPr marL="457200" lvl="0" indent="-381000" algn="l" rtl="0">
+              <a:lnSpc>
+                <a:spcPct val="115000"/>
+              </a:lnSpc>
+              <a:spcBef>
+                <a:spcPts val="0"/>
+              </a:spcBef>
+              <a:buClr>
+                <a:srgbClr val="FFFFFF"/>
+              </a:buClr>
+              <a:buSzPct val="100000"/>
+              <a:buFont typeface="Trebuchet MS"/>
+              <a:buChar char="●"/>
+            </a:pPr>
+            <a:r>
+              <a:rPr lang="en-US" i="1" dirty="0" smtClean="0">
+                <a:solidFill>
+                  <a:srgbClr val="FFFFFF"/>
+                </a:solidFill>
+              </a:rPr>
+              <a:t>Raga (accuracy </a:t>
+            </a:r>
+            <a:r>
+              <a:rPr lang="en-US" i="1" smtClean="0">
+                <a:solidFill>
+                  <a:srgbClr val="FFFFFF"/>
+                </a:solidFill>
+              </a:rPr>
+              <a:t>/ coverage)</a:t>
             </a:r>
             <a:endParaRPr lang="en" i="1" dirty="0">
               <a:solidFill>
